--- a/ppt 16-9/1184.基督之家.pptx
+++ b/ppt 16-9/1184.基督之家.pptx
@@ -5,7 +5,7 @@
     <p:sldMasterId id="2147483648" r:id="rId1"/>
   </p:sldMasterIdLst>
   <p:sldIdLst>
-    <p:sldId id="701" r:id="rId2"/>
+    <p:sldId id="703" r:id="rId2"/>
   </p:sldIdLst>
   <p:sldSz cx="12192000" cy="6858000"/>
   <p:notesSz cx="6858000" cy="9144000"/>
@@ -129,7 +129,7 @@
           <p:cNvPr id="2" name="标题 1">
             <a:extLst>
               <a:ext uri="{FF2B5EF4-FFF2-40B4-BE49-F238E27FC236}">
-                <a16:creationId xmlns:a16="http://schemas.microsoft.com/office/drawing/2014/main" id="{14411846-5F73-4D6B-7647-078FE37774FA}"/>
+                <a16:creationId xmlns:a16="http://schemas.microsoft.com/office/drawing/2014/main" id="{9332D793-DADC-824D-D75F-35E2B274F817}"/>
               </a:ext>
             </a:extLst>
           </p:cNvPr>
@@ -166,7 +166,7 @@
           <p:cNvPr id="3" name="副标题 2">
             <a:extLst>
               <a:ext uri="{FF2B5EF4-FFF2-40B4-BE49-F238E27FC236}">
-                <a16:creationId xmlns:a16="http://schemas.microsoft.com/office/drawing/2014/main" id="{694ACFC5-23B1-2E27-46BE-0934286220AC}"/>
+                <a16:creationId xmlns:a16="http://schemas.microsoft.com/office/drawing/2014/main" id="{26D36204-67F3-2FD7-B09D-D471997515AB}"/>
               </a:ext>
             </a:extLst>
           </p:cNvPr>
@@ -236,7 +236,7 @@
           <p:cNvPr id="4" name="日期占位符 3">
             <a:extLst>
               <a:ext uri="{FF2B5EF4-FFF2-40B4-BE49-F238E27FC236}">
-                <a16:creationId xmlns:a16="http://schemas.microsoft.com/office/drawing/2014/main" id="{88FDA5A8-0892-0256-4332-26BE74610602}"/>
+                <a16:creationId xmlns:a16="http://schemas.microsoft.com/office/drawing/2014/main" id="{C21E8230-0151-0199-3709-25DE0838F72E}"/>
               </a:ext>
             </a:extLst>
           </p:cNvPr>
@@ -252,7 +252,7 @@
           <a:bodyPr/>
           <a:lstStyle/>
           <a:p>
-            <a:fld id="{D967EA0C-76B7-4F8F-A642-0386E90F167D}" type="datetimeFigureOut">
+            <a:fld id="{A1108E6A-945A-463C-9E5D-DC8314A83999}" type="datetimeFigureOut">
               <a:rPr lang="zh-CN" altLang="en-US" smtClean="0"/>
               <a:t>2024/3/10</a:t>
             </a:fld>
@@ -265,7 +265,7 @@
           <p:cNvPr id="5" name="页脚占位符 4">
             <a:extLst>
               <a:ext uri="{FF2B5EF4-FFF2-40B4-BE49-F238E27FC236}">
-                <a16:creationId xmlns:a16="http://schemas.microsoft.com/office/drawing/2014/main" id="{5224FA86-4DD3-C067-9B4F-784CF5A7A36E}"/>
+                <a16:creationId xmlns:a16="http://schemas.microsoft.com/office/drawing/2014/main" id="{03A6F28F-51AA-7F08-E2D1-426CDA76E8CC}"/>
               </a:ext>
             </a:extLst>
           </p:cNvPr>
@@ -290,7 +290,7 @@
           <p:cNvPr id="6" name="灯片编号占位符 5">
             <a:extLst>
               <a:ext uri="{FF2B5EF4-FFF2-40B4-BE49-F238E27FC236}">
-                <a16:creationId xmlns:a16="http://schemas.microsoft.com/office/drawing/2014/main" id="{7C636247-C576-1731-1846-584585670997}"/>
+                <a16:creationId xmlns:a16="http://schemas.microsoft.com/office/drawing/2014/main" id="{6D836FC3-3535-4EAE-436D-CA648F958854}"/>
               </a:ext>
             </a:extLst>
           </p:cNvPr>
@@ -306,7 +306,7 @@
           <a:bodyPr/>
           <a:lstStyle/>
           <a:p>
-            <a:fld id="{89F26B0D-9A58-4F4B-BDCE-4C61BB5A27A6}" type="slidenum">
+            <a:fld id="{7D3ADFA8-FCA9-41BE-8348-75BEA47D9EAE}" type="slidenum">
               <a:rPr lang="zh-CN" altLang="en-US" smtClean="0"/>
               <a:t>‹#›</a:t>
             </a:fld>
@@ -317,7 +317,7 @@
     </p:spTree>
     <p:extLst>
       <p:ext uri="{BB962C8B-B14F-4D97-AF65-F5344CB8AC3E}">
-        <p14:creationId xmlns:p14="http://schemas.microsoft.com/office/powerpoint/2010/main" val="2620515457"/>
+        <p14:creationId xmlns:p14="http://schemas.microsoft.com/office/powerpoint/2010/main" val="2279915831"/>
       </p:ext>
     </p:extLst>
   </p:cSld>
@@ -349,7 +349,7 @@
           <p:cNvPr id="2" name="标题 1">
             <a:extLst>
               <a:ext uri="{FF2B5EF4-FFF2-40B4-BE49-F238E27FC236}">
-                <a16:creationId xmlns:a16="http://schemas.microsoft.com/office/drawing/2014/main" id="{E90BD976-87E3-8098-FC51-F1DBABA4FDC0}"/>
+                <a16:creationId xmlns:a16="http://schemas.microsoft.com/office/drawing/2014/main" id="{0B1B1C4D-C998-A95F-5245-266FAAB3B6C4}"/>
               </a:ext>
             </a:extLst>
           </p:cNvPr>
@@ -377,7 +377,7 @@
           <p:cNvPr id="3" name="竖排文字占位符 2">
             <a:extLst>
               <a:ext uri="{FF2B5EF4-FFF2-40B4-BE49-F238E27FC236}">
-                <a16:creationId xmlns:a16="http://schemas.microsoft.com/office/drawing/2014/main" id="{1BF99D8D-9755-622F-3693-780F365F8A8C}"/>
+                <a16:creationId xmlns:a16="http://schemas.microsoft.com/office/drawing/2014/main" id="{B79F4EC7-1FE6-8DA9-1801-D698754AB68A}"/>
               </a:ext>
             </a:extLst>
           </p:cNvPr>
@@ -434,7 +434,7 @@
           <p:cNvPr id="4" name="日期占位符 3">
             <a:extLst>
               <a:ext uri="{FF2B5EF4-FFF2-40B4-BE49-F238E27FC236}">
-                <a16:creationId xmlns:a16="http://schemas.microsoft.com/office/drawing/2014/main" id="{80FBE5E8-75B2-7BA6-A61C-C3D736770C28}"/>
+                <a16:creationId xmlns:a16="http://schemas.microsoft.com/office/drawing/2014/main" id="{38A323DD-98D9-5DD0-D6FC-198C3BE28112}"/>
               </a:ext>
             </a:extLst>
           </p:cNvPr>
@@ -450,7 +450,7 @@
           <a:bodyPr/>
           <a:lstStyle/>
           <a:p>
-            <a:fld id="{D967EA0C-76B7-4F8F-A642-0386E90F167D}" type="datetimeFigureOut">
+            <a:fld id="{A1108E6A-945A-463C-9E5D-DC8314A83999}" type="datetimeFigureOut">
               <a:rPr lang="zh-CN" altLang="en-US" smtClean="0"/>
               <a:t>2024/3/10</a:t>
             </a:fld>
@@ -463,7 +463,7 @@
           <p:cNvPr id="5" name="页脚占位符 4">
             <a:extLst>
               <a:ext uri="{FF2B5EF4-FFF2-40B4-BE49-F238E27FC236}">
-                <a16:creationId xmlns:a16="http://schemas.microsoft.com/office/drawing/2014/main" id="{AED310B3-4349-8D8E-56E2-C2FAD8A3D4DF}"/>
+                <a16:creationId xmlns:a16="http://schemas.microsoft.com/office/drawing/2014/main" id="{3950D0A2-0EB9-8890-8AD0-A8BA11EAF0AC}"/>
               </a:ext>
             </a:extLst>
           </p:cNvPr>
@@ -488,7 +488,7 @@
           <p:cNvPr id="6" name="灯片编号占位符 5">
             <a:extLst>
               <a:ext uri="{FF2B5EF4-FFF2-40B4-BE49-F238E27FC236}">
-                <a16:creationId xmlns:a16="http://schemas.microsoft.com/office/drawing/2014/main" id="{E3D98AD3-48CB-67A8-083D-16E8CA292599}"/>
+                <a16:creationId xmlns:a16="http://schemas.microsoft.com/office/drawing/2014/main" id="{60DC4F54-C907-775F-A770-5168958BA21E}"/>
               </a:ext>
             </a:extLst>
           </p:cNvPr>
@@ -504,7 +504,7 @@
           <a:bodyPr/>
           <a:lstStyle/>
           <a:p>
-            <a:fld id="{89F26B0D-9A58-4F4B-BDCE-4C61BB5A27A6}" type="slidenum">
+            <a:fld id="{7D3ADFA8-FCA9-41BE-8348-75BEA47D9EAE}" type="slidenum">
               <a:rPr lang="zh-CN" altLang="en-US" smtClean="0"/>
               <a:t>‹#›</a:t>
             </a:fld>
@@ -515,7 +515,7 @@
     </p:spTree>
     <p:extLst>
       <p:ext uri="{BB962C8B-B14F-4D97-AF65-F5344CB8AC3E}">
-        <p14:creationId xmlns:p14="http://schemas.microsoft.com/office/powerpoint/2010/main" val="3883134801"/>
+        <p14:creationId xmlns:p14="http://schemas.microsoft.com/office/powerpoint/2010/main" val="873720906"/>
       </p:ext>
     </p:extLst>
   </p:cSld>
@@ -547,7 +547,7 @@
           <p:cNvPr id="2" name="竖排标题 1">
             <a:extLst>
               <a:ext uri="{FF2B5EF4-FFF2-40B4-BE49-F238E27FC236}">
-                <a16:creationId xmlns:a16="http://schemas.microsoft.com/office/drawing/2014/main" id="{71E51632-E3CF-5909-2CE9-E769214E90BB}"/>
+                <a16:creationId xmlns:a16="http://schemas.microsoft.com/office/drawing/2014/main" id="{5DA586ED-E288-2D58-38E6-5D024AC7E040}"/>
               </a:ext>
             </a:extLst>
           </p:cNvPr>
@@ -580,7 +580,7 @@
           <p:cNvPr id="3" name="竖排文字占位符 2">
             <a:extLst>
               <a:ext uri="{FF2B5EF4-FFF2-40B4-BE49-F238E27FC236}">
-                <a16:creationId xmlns:a16="http://schemas.microsoft.com/office/drawing/2014/main" id="{5E525994-2ED9-52F8-C9F1-E6363C3AB1DD}"/>
+                <a16:creationId xmlns:a16="http://schemas.microsoft.com/office/drawing/2014/main" id="{7E84DC23-67A2-CF9A-B215-7258444D5501}"/>
               </a:ext>
             </a:extLst>
           </p:cNvPr>
@@ -642,7 +642,7 @@
           <p:cNvPr id="4" name="日期占位符 3">
             <a:extLst>
               <a:ext uri="{FF2B5EF4-FFF2-40B4-BE49-F238E27FC236}">
-                <a16:creationId xmlns:a16="http://schemas.microsoft.com/office/drawing/2014/main" id="{896A6D30-EA0C-0971-D787-5DA96155B077}"/>
+                <a16:creationId xmlns:a16="http://schemas.microsoft.com/office/drawing/2014/main" id="{2D993DFB-C170-1B75-F90E-C3B5E020673F}"/>
               </a:ext>
             </a:extLst>
           </p:cNvPr>
@@ -658,7 +658,7 @@
           <a:bodyPr/>
           <a:lstStyle/>
           <a:p>
-            <a:fld id="{D967EA0C-76B7-4F8F-A642-0386E90F167D}" type="datetimeFigureOut">
+            <a:fld id="{A1108E6A-945A-463C-9E5D-DC8314A83999}" type="datetimeFigureOut">
               <a:rPr lang="zh-CN" altLang="en-US" smtClean="0"/>
               <a:t>2024/3/10</a:t>
             </a:fld>
@@ -671,7 +671,7 @@
           <p:cNvPr id="5" name="页脚占位符 4">
             <a:extLst>
               <a:ext uri="{FF2B5EF4-FFF2-40B4-BE49-F238E27FC236}">
-                <a16:creationId xmlns:a16="http://schemas.microsoft.com/office/drawing/2014/main" id="{FE4FDE45-65A1-E228-2812-3767D0E87FD4}"/>
+                <a16:creationId xmlns:a16="http://schemas.microsoft.com/office/drawing/2014/main" id="{3D34E96E-C155-1050-0CDA-C9FC08CA4622}"/>
               </a:ext>
             </a:extLst>
           </p:cNvPr>
@@ -696,7 +696,7 @@
           <p:cNvPr id="6" name="灯片编号占位符 5">
             <a:extLst>
               <a:ext uri="{FF2B5EF4-FFF2-40B4-BE49-F238E27FC236}">
-                <a16:creationId xmlns:a16="http://schemas.microsoft.com/office/drawing/2014/main" id="{31331208-B631-E5F2-85B9-E0D66379ACAB}"/>
+                <a16:creationId xmlns:a16="http://schemas.microsoft.com/office/drawing/2014/main" id="{411C4F4E-9F06-8338-35C2-48215BBF949B}"/>
               </a:ext>
             </a:extLst>
           </p:cNvPr>
@@ -712,7 +712,7 @@
           <a:bodyPr/>
           <a:lstStyle/>
           <a:p>
-            <a:fld id="{89F26B0D-9A58-4F4B-BDCE-4C61BB5A27A6}" type="slidenum">
+            <a:fld id="{7D3ADFA8-FCA9-41BE-8348-75BEA47D9EAE}" type="slidenum">
               <a:rPr lang="zh-CN" altLang="en-US" smtClean="0"/>
               <a:t>‹#›</a:t>
             </a:fld>
@@ -723,7 +723,7 @@
     </p:spTree>
     <p:extLst>
       <p:ext uri="{BB962C8B-B14F-4D97-AF65-F5344CB8AC3E}">
-        <p14:creationId xmlns:p14="http://schemas.microsoft.com/office/powerpoint/2010/main" val="1044303774"/>
+        <p14:creationId xmlns:p14="http://schemas.microsoft.com/office/powerpoint/2010/main" val="1522019802"/>
       </p:ext>
     </p:extLst>
   </p:cSld>
@@ -755,7 +755,7 @@
           <p:cNvPr id="2" name="标题 1">
             <a:extLst>
               <a:ext uri="{FF2B5EF4-FFF2-40B4-BE49-F238E27FC236}">
-                <a16:creationId xmlns:a16="http://schemas.microsoft.com/office/drawing/2014/main" id="{E4998EB7-24DA-23A3-81AD-7D70D0AC7684}"/>
+                <a16:creationId xmlns:a16="http://schemas.microsoft.com/office/drawing/2014/main" id="{6CF0B421-7978-6AE6-DE80-3BCF151A648D}"/>
               </a:ext>
             </a:extLst>
           </p:cNvPr>
@@ -783,7 +783,7 @@
           <p:cNvPr id="3" name="内容占位符 2">
             <a:extLst>
               <a:ext uri="{FF2B5EF4-FFF2-40B4-BE49-F238E27FC236}">
-                <a16:creationId xmlns:a16="http://schemas.microsoft.com/office/drawing/2014/main" id="{F8703E8D-5B9A-EE23-3D2E-CB17E107B09E}"/>
+                <a16:creationId xmlns:a16="http://schemas.microsoft.com/office/drawing/2014/main" id="{E39A9062-792F-A97D-2AD6-EBE4811B7B4E}"/>
               </a:ext>
             </a:extLst>
           </p:cNvPr>
@@ -840,7 +840,7 @@
           <p:cNvPr id="4" name="日期占位符 3">
             <a:extLst>
               <a:ext uri="{FF2B5EF4-FFF2-40B4-BE49-F238E27FC236}">
-                <a16:creationId xmlns:a16="http://schemas.microsoft.com/office/drawing/2014/main" id="{CAA1847A-9DCC-E784-2B3F-3577363A8BA6}"/>
+                <a16:creationId xmlns:a16="http://schemas.microsoft.com/office/drawing/2014/main" id="{B36D00E4-A4C7-B035-5496-296450AB880B}"/>
               </a:ext>
             </a:extLst>
           </p:cNvPr>
@@ -856,7 +856,7 @@
           <a:bodyPr/>
           <a:lstStyle/>
           <a:p>
-            <a:fld id="{D967EA0C-76B7-4F8F-A642-0386E90F167D}" type="datetimeFigureOut">
+            <a:fld id="{A1108E6A-945A-463C-9E5D-DC8314A83999}" type="datetimeFigureOut">
               <a:rPr lang="zh-CN" altLang="en-US" smtClean="0"/>
               <a:t>2024/3/10</a:t>
             </a:fld>
@@ -869,7 +869,7 @@
           <p:cNvPr id="5" name="页脚占位符 4">
             <a:extLst>
               <a:ext uri="{FF2B5EF4-FFF2-40B4-BE49-F238E27FC236}">
-                <a16:creationId xmlns:a16="http://schemas.microsoft.com/office/drawing/2014/main" id="{37B35068-8F6E-B928-C651-6586C424A6CC}"/>
+                <a16:creationId xmlns:a16="http://schemas.microsoft.com/office/drawing/2014/main" id="{BC0D256F-9C82-D972-B5AA-26C210C2DAD9}"/>
               </a:ext>
             </a:extLst>
           </p:cNvPr>
@@ -894,7 +894,7 @@
           <p:cNvPr id="6" name="灯片编号占位符 5">
             <a:extLst>
               <a:ext uri="{FF2B5EF4-FFF2-40B4-BE49-F238E27FC236}">
-                <a16:creationId xmlns:a16="http://schemas.microsoft.com/office/drawing/2014/main" id="{B71AB747-B000-2A12-4FCC-90E212675F9B}"/>
+                <a16:creationId xmlns:a16="http://schemas.microsoft.com/office/drawing/2014/main" id="{3390B76A-3E5B-F7EF-9F2A-6E69BF84C63A}"/>
               </a:ext>
             </a:extLst>
           </p:cNvPr>
@@ -910,7 +910,7 @@
           <a:bodyPr/>
           <a:lstStyle/>
           <a:p>
-            <a:fld id="{89F26B0D-9A58-4F4B-BDCE-4C61BB5A27A6}" type="slidenum">
+            <a:fld id="{7D3ADFA8-FCA9-41BE-8348-75BEA47D9EAE}" type="slidenum">
               <a:rPr lang="zh-CN" altLang="en-US" smtClean="0"/>
               <a:t>‹#›</a:t>
             </a:fld>
@@ -921,7 +921,7 @@
     </p:spTree>
     <p:extLst>
       <p:ext uri="{BB962C8B-B14F-4D97-AF65-F5344CB8AC3E}">
-        <p14:creationId xmlns:p14="http://schemas.microsoft.com/office/powerpoint/2010/main" val="2281836202"/>
+        <p14:creationId xmlns:p14="http://schemas.microsoft.com/office/powerpoint/2010/main" val="833400494"/>
       </p:ext>
     </p:extLst>
   </p:cSld>
@@ -953,7 +953,7 @@
           <p:cNvPr id="2" name="标题 1">
             <a:extLst>
               <a:ext uri="{FF2B5EF4-FFF2-40B4-BE49-F238E27FC236}">
-                <a16:creationId xmlns:a16="http://schemas.microsoft.com/office/drawing/2014/main" id="{FE5491A7-D112-9B82-0390-8EF85521B6D9}"/>
+                <a16:creationId xmlns:a16="http://schemas.microsoft.com/office/drawing/2014/main" id="{9F5C6715-B84D-AF0B-FC72-A6F9E70E8D0C}"/>
               </a:ext>
             </a:extLst>
           </p:cNvPr>
@@ -990,7 +990,7 @@
           <p:cNvPr id="3" name="文本占位符 2">
             <a:extLst>
               <a:ext uri="{FF2B5EF4-FFF2-40B4-BE49-F238E27FC236}">
-                <a16:creationId xmlns:a16="http://schemas.microsoft.com/office/drawing/2014/main" id="{F060D5E0-1918-89A2-4CDC-E8364B9173D8}"/>
+                <a16:creationId xmlns:a16="http://schemas.microsoft.com/office/drawing/2014/main" id="{2C17CE14-DE75-02B0-8830-41525F13A47A}"/>
               </a:ext>
             </a:extLst>
           </p:cNvPr>
@@ -1115,7 +1115,7 @@
           <p:cNvPr id="4" name="日期占位符 3">
             <a:extLst>
               <a:ext uri="{FF2B5EF4-FFF2-40B4-BE49-F238E27FC236}">
-                <a16:creationId xmlns:a16="http://schemas.microsoft.com/office/drawing/2014/main" id="{62DC26F9-FC3E-207A-C431-FD3D01D4DC5E}"/>
+                <a16:creationId xmlns:a16="http://schemas.microsoft.com/office/drawing/2014/main" id="{3871A6F7-70D1-5017-6C47-9E41F471277E}"/>
               </a:ext>
             </a:extLst>
           </p:cNvPr>
@@ -1131,7 +1131,7 @@
           <a:bodyPr/>
           <a:lstStyle/>
           <a:p>
-            <a:fld id="{D967EA0C-76B7-4F8F-A642-0386E90F167D}" type="datetimeFigureOut">
+            <a:fld id="{A1108E6A-945A-463C-9E5D-DC8314A83999}" type="datetimeFigureOut">
               <a:rPr lang="zh-CN" altLang="en-US" smtClean="0"/>
               <a:t>2024/3/10</a:t>
             </a:fld>
@@ -1144,7 +1144,7 @@
           <p:cNvPr id="5" name="页脚占位符 4">
             <a:extLst>
               <a:ext uri="{FF2B5EF4-FFF2-40B4-BE49-F238E27FC236}">
-                <a16:creationId xmlns:a16="http://schemas.microsoft.com/office/drawing/2014/main" id="{C334AF40-3B51-7985-0147-CFD4FA36E68C}"/>
+                <a16:creationId xmlns:a16="http://schemas.microsoft.com/office/drawing/2014/main" id="{3491BA07-F2A0-1829-C99C-44FEDCAFF929}"/>
               </a:ext>
             </a:extLst>
           </p:cNvPr>
@@ -1169,7 +1169,7 @@
           <p:cNvPr id="6" name="灯片编号占位符 5">
             <a:extLst>
               <a:ext uri="{FF2B5EF4-FFF2-40B4-BE49-F238E27FC236}">
-                <a16:creationId xmlns:a16="http://schemas.microsoft.com/office/drawing/2014/main" id="{DD5386D1-0B5F-5345-1060-1FA5DBFF7E0C}"/>
+                <a16:creationId xmlns:a16="http://schemas.microsoft.com/office/drawing/2014/main" id="{720C3FB8-949A-1A33-8E74-DC26687D3FA8}"/>
               </a:ext>
             </a:extLst>
           </p:cNvPr>
@@ -1185,7 +1185,7 @@
           <a:bodyPr/>
           <a:lstStyle/>
           <a:p>
-            <a:fld id="{89F26B0D-9A58-4F4B-BDCE-4C61BB5A27A6}" type="slidenum">
+            <a:fld id="{7D3ADFA8-FCA9-41BE-8348-75BEA47D9EAE}" type="slidenum">
               <a:rPr lang="zh-CN" altLang="en-US" smtClean="0"/>
               <a:t>‹#›</a:t>
             </a:fld>
@@ -1196,7 +1196,7 @@
     </p:spTree>
     <p:extLst>
       <p:ext uri="{BB962C8B-B14F-4D97-AF65-F5344CB8AC3E}">
-        <p14:creationId xmlns:p14="http://schemas.microsoft.com/office/powerpoint/2010/main" val="213037905"/>
+        <p14:creationId xmlns:p14="http://schemas.microsoft.com/office/powerpoint/2010/main" val="4038525181"/>
       </p:ext>
     </p:extLst>
   </p:cSld>
@@ -1228,7 +1228,7 @@
           <p:cNvPr id="2" name="标题 1">
             <a:extLst>
               <a:ext uri="{FF2B5EF4-FFF2-40B4-BE49-F238E27FC236}">
-                <a16:creationId xmlns:a16="http://schemas.microsoft.com/office/drawing/2014/main" id="{7A163194-2434-4709-DF5B-4F0A03BB589E}"/>
+                <a16:creationId xmlns:a16="http://schemas.microsoft.com/office/drawing/2014/main" id="{3201CDD6-BCA9-F544-59EB-818DF285990A}"/>
               </a:ext>
             </a:extLst>
           </p:cNvPr>
@@ -1256,7 +1256,7 @@
           <p:cNvPr id="3" name="内容占位符 2">
             <a:extLst>
               <a:ext uri="{FF2B5EF4-FFF2-40B4-BE49-F238E27FC236}">
-                <a16:creationId xmlns:a16="http://schemas.microsoft.com/office/drawing/2014/main" id="{ED733315-8852-891C-9DED-E9C50F9099E4}"/>
+                <a16:creationId xmlns:a16="http://schemas.microsoft.com/office/drawing/2014/main" id="{73D1BFE0-AE9E-3728-2661-697C6E543442}"/>
               </a:ext>
             </a:extLst>
           </p:cNvPr>
@@ -1318,7 +1318,7 @@
           <p:cNvPr id="4" name="内容占位符 3">
             <a:extLst>
               <a:ext uri="{FF2B5EF4-FFF2-40B4-BE49-F238E27FC236}">
-                <a16:creationId xmlns:a16="http://schemas.microsoft.com/office/drawing/2014/main" id="{8525D62B-75B3-E937-B2DB-4ED484A6F10F}"/>
+                <a16:creationId xmlns:a16="http://schemas.microsoft.com/office/drawing/2014/main" id="{EE8CE5FA-1045-0C79-B363-F78B665CCCCC}"/>
               </a:ext>
             </a:extLst>
           </p:cNvPr>
@@ -1380,7 +1380,7 @@
           <p:cNvPr id="5" name="日期占位符 4">
             <a:extLst>
               <a:ext uri="{FF2B5EF4-FFF2-40B4-BE49-F238E27FC236}">
-                <a16:creationId xmlns:a16="http://schemas.microsoft.com/office/drawing/2014/main" id="{FCE64722-D657-19FA-604F-36E024A89DD0}"/>
+                <a16:creationId xmlns:a16="http://schemas.microsoft.com/office/drawing/2014/main" id="{58B3391C-A654-3EB6-CE59-BA5F642922A3}"/>
               </a:ext>
             </a:extLst>
           </p:cNvPr>
@@ -1396,7 +1396,7 @@
           <a:bodyPr/>
           <a:lstStyle/>
           <a:p>
-            <a:fld id="{D967EA0C-76B7-4F8F-A642-0386E90F167D}" type="datetimeFigureOut">
+            <a:fld id="{A1108E6A-945A-463C-9E5D-DC8314A83999}" type="datetimeFigureOut">
               <a:rPr lang="zh-CN" altLang="en-US" smtClean="0"/>
               <a:t>2024/3/10</a:t>
             </a:fld>
@@ -1409,7 +1409,7 @@
           <p:cNvPr id="6" name="页脚占位符 5">
             <a:extLst>
               <a:ext uri="{FF2B5EF4-FFF2-40B4-BE49-F238E27FC236}">
-                <a16:creationId xmlns:a16="http://schemas.microsoft.com/office/drawing/2014/main" id="{3EE92312-C5DA-D8A6-86A5-5038BD1FB0BB}"/>
+                <a16:creationId xmlns:a16="http://schemas.microsoft.com/office/drawing/2014/main" id="{BCDDA75B-0A46-FC78-62C5-944D87BFB8E1}"/>
               </a:ext>
             </a:extLst>
           </p:cNvPr>
@@ -1434,7 +1434,7 @@
           <p:cNvPr id="7" name="灯片编号占位符 6">
             <a:extLst>
               <a:ext uri="{FF2B5EF4-FFF2-40B4-BE49-F238E27FC236}">
-                <a16:creationId xmlns:a16="http://schemas.microsoft.com/office/drawing/2014/main" id="{1930B6BB-C2AA-3B59-E578-169F96430023}"/>
+                <a16:creationId xmlns:a16="http://schemas.microsoft.com/office/drawing/2014/main" id="{DF1B90F5-D352-9DF8-4B1D-3BB96B2301AC}"/>
               </a:ext>
             </a:extLst>
           </p:cNvPr>
@@ -1450,7 +1450,7 @@
           <a:bodyPr/>
           <a:lstStyle/>
           <a:p>
-            <a:fld id="{89F26B0D-9A58-4F4B-BDCE-4C61BB5A27A6}" type="slidenum">
+            <a:fld id="{7D3ADFA8-FCA9-41BE-8348-75BEA47D9EAE}" type="slidenum">
               <a:rPr lang="zh-CN" altLang="en-US" smtClean="0"/>
               <a:t>‹#›</a:t>
             </a:fld>
@@ -1461,7 +1461,7 @@
     </p:spTree>
     <p:extLst>
       <p:ext uri="{BB962C8B-B14F-4D97-AF65-F5344CB8AC3E}">
-        <p14:creationId xmlns:p14="http://schemas.microsoft.com/office/powerpoint/2010/main" val="3128662117"/>
+        <p14:creationId xmlns:p14="http://schemas.microsoft.com/office/powerpoint/2010/main" val="3869983026"/>
       </p:ext>
     </p:extLst>
   </p:cSld>
@@ -1493,7 +1493,7 @@
           <p:cNvPr id="2" name="标题 1">
             <a:extLst>
               <a:ext uri="{FF2B5EF4-FFF2-40B4-BE49-F238E27FC236}">
-                <a16:creationId xmlns:a16="http://schemas.microsoft.com/office/drawing/2014/main" id="{20A1FC9D-BD31-4173-7436-18BE81070E08}"/>
+                <a16:creationId xmlns:a16="http://schemas.microsoft.com/office/drawing/2014/main" id="{2B73459E-D858-D68A-4797-03075EF571D0}"/>
               </a:ext>
             </a:extLst>
           </p:cNvPr>
@@ -1526,7 +1526,7 @@
           <p:cNvPr id="3" name="文本占位符 2">
             <a:extLst>
               <a:ext uri="{FF2B5EF4-FFF2-40B4-BE49-F238E27FC236}">
-                <a16:creationId xmlns:a16="http://schemas.microsoft.com/office/drawing/2014/main" id="{32245693-3F2A-CE1D-B979-A8F56545F4E5}"/>
+                <a16:creationId xmlns:a16="http://schemas.microsoft.com/office/drawing/2014/main" id="{CB817364-25AF-A258-53FD-54DD9589D289}"/>
               </a:ext>
             </a:extLst>
           </p:cNvPr>
@@ -1597,7 +1597,7 @@
           <p:cNvPr id="4" name="内容占位符 3">
             <a:extLst>
               <a:ext uri="{FF2B5EF4-FFF2-40B4-BE49-F238E27FC236}">
-                <a16:creationId xmlns:a16="http://schemas.microsoft.com/office/drawing/2014/main" id="{831154CF-A6A5-4E32-9F28-BC1BA9879E54}"/>
+                <a16:creationId xmlns:a16="http://schemas.microsoft.com/office/drawing/2014/main" id="{654726B3-0652-B057-1765-D4A7BD86FA13}"/>
               </a:ext>
             </a:extLst>
           </p:cNvPr>
@@ -1659,7 +1659,7 @@
           <p:cNvPr id="5" name="文本占位符 4">
             <a:extLst>
               <a:ext uri="{FF2B5EF4-FFF2-40B4-BE49-F238E27FC236}">
-                <a16:creationId xmlns:a16="http://schemas.microsoft.com/office/drawing/2014/main" id="{51D0E712-5F0A-2034-AEDA-BFC403221FC2}"/>
+                <a16:creationId xmlns:a16="http://schemas.microsoft.com/office/drawing/2014/main" id="{EC12248B-9385-8B74-C926-36BB9633CBFF}"/>
               </a:ext>
             </a:extLst>
           </p:cNvPr>
@@ -1730,7 +1730,7 @@
           <p:cNvPr id="6" name="内容占位符 5">
             <a:extLst>
               <a:ext uri="{FF2B5EF4-FFF2-40B4-BE49-F238E27FC236}">
-                <a16:creationId xmlns:a16="http://schemas.microsoft.com/office/drawing/2014/main" id="{1277F2DD-C994-0AFC-923C-055EBE0539F0}"/>
+                <a16:creationId xmlns:a16="http://schemas.microsoft.com/office/drawing/2014/main" id="{69ADDD18-9386-79C5-6AE7-21A6B020AB49}"/>
               </a:ext>
             </a:extLst>
           </p:cNvPr>
@@ -1792,7 +1792,7 @@
           <p:cNvPr id="7" name="日期占位符 6">
             <a:extLst>
               <a:ext uri="{FF2B5EF4-FFF2-40B4-BE49-F238E27FC236}">
-                <a16:creationId xmlns:a16="http://schemas.microsoft.com/office/drawing/2014/main" id="{E1479383-F83A-D9A5-2D43-676AB104EF25}"/>
+                <a16:creationId xmlns:a16="http://schemas.microsoft.com/office/drawing/2014/main" id="{A3457DA5-0E6B-EAD2-31CB-683D97DEA98F}"/>
               </a:ext>
             </a:extLst>
           </p:cNvPr>
@@ -1808,7 +1808,7 @@
           <a:bodyPr/>
           <a:lstStyle/>
           <a:p>
-            <a:fld id="{D967EA0C-76B7-4F8F-A642-0386E90F167D}" type="datetimeFigureOut">
+            <a:fld id="{A1108E6A-945A-463C-9E5D-DC8314A83999}" type="datetimeFigureOut">
               <a:rPr lang="zh-CN" altLang="en-US" smtClean="0"/>
               <a:t>2024/3/10</a:t>
             </a:fld>
@@ -1821,7 +1821,7 @@
           <p:cNvPr id="8" name="页脚占位符 7">
             <a:extLst>
               <a:ext uri="{FF2B5EF4-FFF2-40B4-BE49-F238E27FC236}">
-                <a16:creationId xmlns:a16="http://schemas.microsoft.com/office/drawing/2014/main" id="{7A0422EF-0463-1A2E-785B-C5016E9CA93E}"/>
+                <a16:creationId xmlns:a16="http://schemas.microsoft.com/office/drawing/2014/main" id="{5BCE81EA-322E-2E19-814F-73D0250CBD83}"/>
               </a:ext>
             </a:extLst>
           </p:cNvPr>
@@ -1846,7 +1846,7 @@
           <p:cNvPr id="9" name="灯片编号占位符 8">
             <a:extLst>
               <a:ext uri="{FF2B5EF4-FFF2-40B4-BE49-F238E27FC236}">
-                <a16:creationId xmlns:a16="http://schemas.microsoft.com/office/drawing/2014/main" id="{4CC82C15-DB9D-8DA4-2093-9D59B47657BC}"/>
+                <a16:creationId xmlns:a16="http://schemas.microsoft.com/office/drawing/2014/main" id="{7685482C-1FAC-ADB5-59A8-6064E0664308}"/>
               </a:ext>
             </a:extLst>
           </p:cNvPr>
@@ -1862,7 +1862,7 @@
           <a:bodyPr/>
           <a:lstStyle/>
           <a:p>
-            <a:fld id="{89F26B0D-9A58-4F4B-BDCE-4C61BB5A27A6}" type="slidenum">
+            <a:fld id="{7D3ADFA8-FCA9-41BE-8348-75BEA47D9EAE}" type="slidenum">
               <a:rPr lang="zh-CN" altLang="en-US" smtClean="0"/>
               <a:t>‹#›</a:t>
             </a:fld>
@@ -1873,7 +1873,7 @@
     </p:spTree>
     <p:extLst>
       <p:ext uri="{BB962C8B-B14F-4D97-AF65-F5344CB8AC3E}">
-        <p14:creationId xmlns:p14="http://schemas.microsoft.com/office/powerpoint/2010/main" val="783575983"/>
+        <p14:creationId xmlns:p14="http://schemas.microsoft.com/office/powerpoint/2010/main" val="4076827308"/>
       </p:ext>
     </p:extLst>
   </p:cSld>
@@ -1905,7 +1905,7 @@
           <p:cNvPr id="2" name="标题 1">
             <a:extLst>
               <a:ext uri="{FF2B5EF4-FFF2-40B4-BE49-F238E27FC236}">
-                <a16:creationId xmlns:a16="http://schemas.microsoft.com/office/drawing/2014/main" id="{C6858C63-13B5-2FAD-F8BB-FAE30CE40807}"/>
+                <a16:creationId xmlns:a16="http://schemas.microsoft.com/office/drawing/2014/main" id="{74A15F5A-1ED1-EF3B-57B3-B9AFD1B7A4FB}"/>
               </a:ext>
             </a:extLst>
           </p:cNvPr>
@@ -1933,7 +1933,7 @@
           <p:cNvPr id="3" name="日期占位符 2">
             <a:extLst>
               <a:ext uri="{FF2B5EF4-FFF2-40B4-BE49-F238E27FC236}">
-                <a16:creationId xmlns:a16="http://schemas.microsoft.com/office/drawing/2014/main" id="{48AA3C0E-3ABD-7EE5-C234-C4694EB51F42}"/>
+                <a16:creationId xmlns:a16="http://schemas.microsoft.com/office/drawing/2014/main" id="{579613D2-34B5-65ED-CE0B-9AED4756D524}"/>
               </a:ext>
             </a:extLst>
           </p:cNvPr>
@@ -1949,7 +1949,7 @@
           <a:bodyPr/>
           <a:lstStyle/>
           <a:p>
-            <a:fld id="{D967EA0C-76B7-4F8F-A642-0386E90F167D}" type="datetimeFigureOut">
+            <a:fld id="{A1108E6A-945A-463C-9E5D-DC8314A83999}" type="datetimeFigureOut">
               <a:rPr lang="zh-CN" altLang="en-US" smtClean="0"/>
               <a:t>2024/3/10</a:t>
             </a:fld>
@@ -1962,7 +1962,7 @@
           <p:cNvPr id="4" name="页脚占位符 3">
             <a:extLst>
               <a:ext uri="{FF2B5EF4-FFF2-40B4-BE49-F238E27FC236}">
-                <a16:creationId xmlns:a16="http://schemas.microsoft.com/office/drawing/2014/main" id="{9BC249FB-5333-221C-8E6F-E84F9765566B}"/>
+                <a16:creationId xmlns:a16="http://schemas.microsoft.com/office/drawing/2014/main" id="{FB90A62C-A813-C82C-F4C8-9BC074A8384F}"/>
               </a:ext>
             </a:extLst>
           </p:cNvPr>
@@ -1987,7 +1987,7 @@
           <p:cNvPr id="5" name="灯片编号占位符 4">
             <a:extLst>
               <a:ext uri="{FF2B5EF4-FFF2-40B4-BE49-F238E27FC236}">
-                <a16:creationId xmlns:a16="http://schemas.microsoft.com/office/drawing/2014/main" id="{B1984B9B-53AD-8578-0809-AB57E54D1A19}"/>
+                <a16:creationId xmlns:a16="http://schemas.microsoft.com/office/drawing/2014/main" id="{85EAC2EE-F53F-C296-E651-AA4EFB921BD6}"/>
               </a:ext>
             </a:extLst>
           </p:cNvPr>
@@ -2003,7 +2003,7 @@
           <a:bodyPr/>
           <a:lstStyle/>
           <a:p>
-            <a:fld id="{89F26B0D-9A58-4F4B-BDCE-4C61BB5A27A6}" type="slidenum">
+            <a:fld id="{7D3ADFA8-FCA9-41BE-8348-75BEA47D9EAE}" type="slidenum">
               <a:rPr lang="zh-CN" altLang="en-US" smtClean="0"/>
               <a:t>‹#›</a:t>
             </a:fld>
@@ -2014,7 +2014,7 @@
     </p:spTree>
     <p:extLst>
       <p:ext uri="{BB962C8B-B14F-4D97-AF65-F5344CB8AC3E}">
-        <p14:creationId xmlns:p14="http://schemas.microsoft.com/office/powerpoint/2010/main" val="3885213995"/>
+        <p14:creationId xmlns:p14="http://schemas.microsoft.com/office/powerpoint/2010/main" val="1865921736"/>
       </p:ext>
     </p:extLst>
   </p:cSld>
@@ -2046,7 +2046,7 @@
           <p:cNvPr id="2" name="日期占位符 1">
             <a:extLst>
               <a:ext uri="{FF2B5EF4-FFF2-40B4-BE49-F238E27FC236}">
-                <a16:creationId xmlns:a16="http://schemas.microsoft.com/office/drawing/2014/main" id="{43084BAB-5973-E0A7-B3E5-11185E2E8F82}"/>
+                <a16:creationId xmlns:a16="http://schemas.microsoft.com/office/drawing/2014/main" id="{BDEFC183-8A0C-34C8-3650-1601A6A85145}"/>
               </a:ext>
             </a:extLst>
           </p:cNvPr>
@@ -2062,7 +2062,7 @@
           <a:bodyPr/>
           <a:lstStyle/>
           <a:p>
-            <a:fld id="{D967EA0C-76B7-4F8F-A642-0386E90F167D}" type="datetimeFigureOut">
+            <a:fld id="{A1108E6A-945A-463C-9E5D-DC8314A83999}" type="datetimeFigureOut">
               <a:rPr lang="zh-CN" altLang="en-US" smtClean="0"/>
               <a:t>2024/3/10</a:t>
             </a:fld>
@@ -2075,7 +2075,7 @@
           <p:cNvPr id="3" name="页脚占位符 2">
             <a:extLst>
               <a:ext uri="{FF2B5EF4-FFF2-40B4-BE49-F238E27FC236}">
-                <a16:creationId xmlns:a16="http://schemas.microsoft.com/office/drawing/2014/main" id="{82DF2E2C-CC40-26B5-55BD-1B749DC24546}"/>
+                <a16:creationId xmlns:a16="http://schemas.microsoft.com/office/drawing/2014/main" id="{C5532B57-AD11-219F-1FA5-3C7178F028E5}"/>
               </a:ext>
             </a:extLst>
           </p:cNvPr>
@@ -2100,7 +2100,7 @@
           <p:cNvPr id="4" name="灯片编号占位符 3">
             <a:extLst>
               <a:ext uri="{FF2B5EF4-FFF2-40B4-BE49-F238E27FC236}">
-                <a16:creationId xmlns:a16="http://schemas.microsoft.com/office/drawing/2014/main" id="{839A716C-760B-7B32-EEC9-20B3C8643464}"/>
+                <a16:creationId xmlns:a16="http://schemas.microsoft.com/office/drawing/2014/main" id="{56E99F9F-2375-846C-EB6A-ADB3BED054CC}"/>
               </a:ext>
             </a:extLst>
           </p:cNvPr>
@@ -2116,7 +2116,7 @@
           <a:bodyPr/>
           <a:lstStyle/>
           <a:p>
-            <a:fld id="{89F26B0D-9A58-4F4B-BDCE-4C61BB5A27A6}" type="slidenum">
+            <a:fld id="{7D3ADFA8-FCA9-41BE-8348-75BEA47D9EAE}" type="slidenum">
               <a:rPr lang="zh-CN" altLang="en-US" smtClean="0"/>
               <a:t>‹#›</a:t>
             </a:fld>
@@ -2127,7 +2127,7 @@
     </p:spTree>
     <p:extLst>
       <p:ext uri="{BB962C8B-B14F-4D97-AF65-F5344CB8AC3E}">
-        <p14:creationId xmlns:p14="http://schemas.microsoft.com/office/powerpoint/2010/main" val="983062823"/>
+        <p14:creationId xmlns:p14="http://schemas.microsoft.com/office/powerpoint/2010/main" val="313821396"/>
       </p:ext>
     </p:extLst>
   </p:cSld>
@@ -2159,7 +2159,7 @@
           <p:cNvPr id="2" name="标题 1">
             <a:extLst>
               <a:ext uri="{FF2B5EF4-FFF2-40B4-BE49-F238E27FC236}">
-                <a16:creationId xmlns:a16="http://schemas.microsoft.com/office/drawing/2014/main" id="{35E521DD-B4C5-6EA9-5C53-37467EA99513}"/>
+                <a16:creationId xmlns:a16="http://schemas.microsoft.com/office/drawing/2014/main" id="{BFFADEE0-D931-9EE6-45FD-B3C1AEF5EAB8}"/>
               </a:ext>
             </a:extLst>
           </p:cNvPr>
@@ -2196,7 +2196,7 @@
           <p:cNvPr id="3" name="内容占位符 2">
             <a:extLst>
               <a:ext uri="{FF2B5EF4-FFF2-40B4-BE49-F238E27FC236}">
-                <a16:creationId xmlns:a16="http://schemas.microsoft.com/office/drawing/2014/main" id="{80A1CB43-6F10-E164-552D-7D1CD5FEEB5F}"/>
+                <a16:creationId xmlns:a16="http://schemas.microsoft.com/office/drawing/2014/main" id="{04980C09-CDE5-7167-4E89-FA8125F78FBA}"/>
               </a:ext>
             </a:extLst>
           </p:cNvPr>
@@ -2286,7 +2286,7 @@
           <p:cNvPr id="4" name="文本占位符 3">
             <a:extLst>
               <a:ext uri="{FF2B5EF4-FFF2-40B4-BE49-F238E27FC236}">
-                <a16:creationId xmlns:a16="http://schemas.microsoft.com/office/drawing/2014/main" id="{F340F681-FCB2-2ABF-A831-0945607F4B5E}"/>
+                <a16:creationId xmlns:a16="http://schemas.microsoft.com/office/drawing/2014/main" id="{5D2F1EFE-19F4-943D-1B78-AF524EC8C4B5}"/>
               </a:ext>
             </a:extLst>
           </p:cNvPr>
@@ -2357,7 +2357,7 @@
           <p:cNvPr id="5" name="日期占位符 4">
             <a:extLst>
               <a:ext uri="{FF2B5EF4-FFF2-40B4-BE49-F238E27FC236}">
-                <a16:creationId xmlns:a16="http://schemas.microsoft.com/office/drawing/2014/main" id="{3B7897F2-C66D-3E91-FD4C-FAD33F8369D4}"/>
+                <a16:creationId xmlns:a16="http://schemas.microsoft.com/office/drawing/2014/main" id="{14247DA5-9D2B-FBB9-745C-AA6C676F0919}"/>
               </a:ext>
             </a:extLst>
           </p:cNvPr>
@@ -2373,7 +2373,7 @@
           <a:bodyPr/>
           <a:lstStyle/>
           <a:p>
-            <a:fld id="{D967EA0C-76B7-4F8F-A642-0386E90F167D}" type="datetimeFigureOut">
+            <a:fld id="{A1108E6A-945A-463C-9E5D-DC8314A83999}" type="datetimeFigureOut">
               <a:rPr lang="zh-CN" altLang="en-US" smtClean="0"/>
               <a:t>2024/3/10</a:t>
             </a:fld>
@@ -2386,7 +2386,7 @@
           <p:cNvPr id="6" name="页脚占位符 5">
             <a:extLst>
               <a:ext uri="{FF2B5EF4-FFF2-40B4-BE49-F238E27FC236}">
-                <a16:creationId xmlns:a16="http://schemas.microsoft.com/office/drawing/2014/main" id="{E8069D9F-E47E-93E8-6CAB-BFB8CC6F7514}"/>
+                <a16:creationId xmlns:a16="http://schemas.microsoft.com/office/drawing/2014/main" id="{C37C491A-029C-6735-9DBC-19682D9A0E17}"/>
               </a:ext>
             </a:extLst>
           </p:cNvPr>
@@ -2411,7 +2411,7 @@
           <p:cNvPr id="7" name="灯片编号占位符 6">
             <a:extLst>
               <a:ext uri="{FF2B5EF4-FFF2-40B4-BE49-F238E27FC236}">
-                <a16:creationId xmlns:a16="http://schemas.microsoft.com/office/drawing/2014/main" id="{ED968066-97AC-3BF9-73B0-B979CC86EA3F}"/>
+                <a16:creationId xmlns:a16="http://schemas.microsoft.com/office/drawing/2014/main" id="{EE1501EE-3AF2-2C82-D4F9-1D00B3F45A66}"/>
               </a:ext>
             </a:extLst>
           </p:cNvPr>
@@ -2427,7 +2427,7 @@
           <a:bodyPr/>
           <a:lstStyle/>
           <a:p>
-            <a:fld id="{89F26B0D-9A58-4F4B-BDCE-4C61BB5A27A6}" type="slidenum">
+            <a:fld id="{7D3ADFA8-FCA9-41BE-8348-75BEA47D9EAE}" type="slidenum">
               <a:rPr lang="zh-CN" altLang="en-US" smtClean="0"/>
               <a:t>‹#›</a:t>
             </a:fld>
@@ -2438,7 +2438,7 @@
     </p:spTree>
     <p:extLst>
       <p:ext uri="{BB962C8B-B14F-4D97-AF65-F5344CB8AC3E}">
-        <p14:creationId xmlns:p14="http://schemas.microsoft.com/office/powerpoint/2010/main" val="456677640"/>
+        <p14:creationId xmlns:p14="http://schemas.microsoft.com/office/powerpoint/2010/main" val="3477372797"/>
       </p:ext>
     </p:extLst>
   </p:cSld>
@@ -2470,7 +2470,7 @@
           <p:cNvPr id="2" name="标题 1">
             <a:extLst>
               <a:ext uri="{FF2B5EF4-FFF2-40B4-BE49-F238E27FC236}">
-                <a16:creationId xmlns:a16="http://schemas.microsoft.com/office/drawing/2014/main" id="{73889AC6-493F-01C7-42F6-AE5D58C53D1D}"/>
+                <a16:creationId xmlns:a16="http://schemas.microsoft.com/office/drawing/2014/main" id="{0FB37B79-FC80-3985-C11A-A6910437B130}"/>
               </a:ext>
             </a:extLst>
           </p:cNvPr>
@@ -2507,7 +2507,7 @@
           <p:cNvPr id="3" name="图片占位符 2">
             <a:extLst>
               <a:ext uri="{FF2B5EF4-FFF2-40B4-BE49-F238E27FC236}">
-                <a16:creationId xmlns:a16="http://schemas.microsoft.com/office/drawing/2014/main" id="{BEF96F4C-21AB-3437-DED2-218B6634D312}"/>
+                <a16:creationId xmlns:a16="http://schemas.microsoft.com/office/drawing/2014/main" id="{1E6B54A8-B885-9ECC-B5B2-25E9C8BD9AF9}"/>
               </a:ext>
             </a:extLst>
           </p:cNvPr>
@@ -2574,7 +2574,7 @@
           <p:cNvPr id="4" name="文本占位符 3">
             <a:extLst>
               <a:ext uri="{FF2B5EF4-FFF2-40B4-BE49-F238E27FC236}">
-                <a16:creationId xmlns:a16="http://schemas.microsoft.com/office/drawing/2014/main" id="{469D0851-E843-5C1F-7109-F3AE673DB9C8}"/>
+                <a16:creationId xmlns:a16="http://schemas.microsoft.com/office/drawing/2014/main" id="{042AFE45-8060-7ED5-53EC-BA2AECC17D05}"/>
               </a:ext>
             </a:extLst>
           </p:cNvPr>
@@ -2645,7 +2645,7 @@
           <p:cNvPr id="5" name="日期占位符 4">
             <a:extLst>
               <a:ext uri="{FF2B5EF4-FFF2-40B4-BE49-F238E27FC236}">
-                <a16:creationId xmlns:a16="http://schemas.microsoft.com/office/drawing/2014/main" id="{117B6114-9511-824E-097D-790A013B3B4C}"/>
+                <a16:creationId xmlns:a16="http://schemas.microsoft.com/office/drawing/2014/main" id="{04F14805-E156-CB28-8DD7-EBE9D5076285}"/>
               </a:ext>
             </a:extLst>
           </p:cNvPr>
@@ -2661,7 +2661,7 @@
           <a:bodyPr/>
           <a:lstStyle/>
           <a:p>
-            <a:fld id="{D967EA0C-76B7-4F8F-A642-0386E90F167D}" type="datetimeFigureOut">
+            <a:fld id="{A1108E6A-945A-463C-9E5D-DC8314A83999}" type="datetimeFigureOut">
               <a:rPr lang="zh-CN" altLang="en-US" smtClean="0"/>
               <a:t>2024/3/10</a:t>
             </a:fld>
@@ -2674,7 +2674,7 @@
           <p:cNvPr id="6" name="页脚占位符 5">
             <a:extLst>
               <a:ext uri="{FF2B5EF4-FFF2-40B4-BE49-F238E27FC236}">
-                <a16:creationId xmlns:a16="http://schemas.microsoft.com/office/drawing/2014/main" id="{27C4CAEB-C4B9-300F-CAFB-9527184686AD}"/>
+                <a16:creationId xmlns:a16="http://schemas.microsoft.com/office/drawing/2014/main" id="{E781F512-0888-D6B9-D316-C4FF051DABA0}"/>
               </a:ext>
             </a:extLst>
           </p:cNvPr>
@@ -2699,7 +2699,7 @@
           <p:cNvPr id="7" name="灯片编号占位符 6">
             <a:extLst>
               <a:ext uri="{FF2B5EF4-FFF2-40B4-BE49-F238E27FC236}">
-                <a16:creationId xmlns:a16="http://schemas.microsoft.com/office/drawing/2014/main" id="{7F1F8063-752D-0D90-28D5-8EC6CA5B8675}"/>
+                <a16:creationId xmlns:a16="http://schemas.microsoft.com/office/drawing/2014/main" id="{093CBF50-76DC-C3DA-3191-3DE88ABFBA11}"/>
               </a:ext>
             </a:extLst>
           </p:cNvPr>
@@ -2715,7 +2715,7 @@
           <a:bodyPr/>
           <a:lstStyle/>
           <a:p>
-            <a:fld id="{89F26B0D-9A58-4F4B-BDCE-4C61BB5A27A6}" type="slidenum">
+            <a:fld id="{7D3ADFA8-FCA9-41BE-8348-75BEA47D9EAE}" type="slidenum">
               <a:rPr lang="zh-CN" altLang="en-US" smtClean="0"/>
               <a:t>‹#›</a:t>
             </a:fld>
@@ -2726,7 +2726,7 @@
     </p:spTree>
     <p:extLst>
       <p:ext uri="{BB962C8B-B14F-4D97-AF65-F5344CB8AC3E}">
-        <p14:creationId xmlns:p14="http://schemas.microsoft.com/office/powerpoint/2010/main" val="3761234988"/>
+        <p14:creationId xmlns:p14="http://schemas.microsoft.com/office/powerpoint/2010/main" val="1545762257"/>
       </p:ext>
     </p:extLst>
   </p:cSld>
@@ -2763,7 +2763,7 @@
           <p:cNvPr id="2" name="标题占位符 1">
             <a:extLst>
               <a:ext uri="{FF2B5EF4-FFF2-40B4-BE49-F238E27FC236}">
-                <a16:creationId xmlns:a16="http://schemas.microsoft.com/office/drawing/2014/main" id="{CC7D66FF-8C66-B359-FF78-A7EE8DB18175}"/>
+                <a16:creationId xmlns:a16="http://schemas.microsoft.com/office/drawing/2014/main" id="{59D69318-DE2D-EE95-87D1-86BC902ACDE3}"/>
               </a:ext>
             </a:extLst>
           </p:cNvPr>
@@ -2801,7 +2801,7 @@
           <p:cNvPr id="3" name="文本占位符 2">
             <a:extLst>
               <a:ext uri="{FF2B5EF4-FFF2-40B4-BE49-F238E27FC236}">
-                <a16:creationId xmlns:a16="http://schemas.microsoft.com/office/drawing/2014/main" id="{7BB86575-5672-6B03-AE61-EAA2DDEF749C}"/>
+                <a16:creationId xmlns:a16="http://schemas.microsoft.com/office/drawing/2014/main" id="{86CAB7D6-8592-8F71-5AD3-C82724BC6832}"/>
               </a:ext>
             </a:extLst>
           </p:cNvPr>
@@ -2868,7 +2868,7 @@
           <p:cNvPr id="4" name="日期占位符 3">
             <a:extLst>
               <a:ext uri="{FF2B5EF4-FFF2-40B4-BE49-F238E27FC236}">
-                <a16:creationId xmlns:a16="http://schemas.microsoft.com/office/drawing/2014/main" id="{F5F67D77-75E5-2FC1-379C-70244E96D324}"/>
+                <a16:creationId xmlns:a16="http://schemas.microsoft.com/office/drawing/2014/main" id="{437C15A0-D935-4F63-EC39-166116A79F21}"/>
               </a:ext>
             </a:extLst>
           </p:cNvPr>
@@ -2902,7 +2902,7 @@
             </a:lvl1pPr>
           </a:lstStyle>
           <a:p>
-            <a:fld id="{D967EA0C-76B7-4F8F-A642-0386E90F167D}" type="datetimeFigureOut">
+            <a:fld id="{A1108E6A-945A-463C-9E5D-DC8314A83999}" type="datetimeFigureOut">
               <a:rPr lang="zh-CN" altLang="en-US" smtClean="0"/>
               <a:t>2024/3/10</a:t>
             </a:fld>
@@ -2915,7 +2915,7 @@
           <p:cNvPr id="5" name="页脚占位符 4">
             <a:extLst>
               <a:ext uri="{FF2B5EF4-FFF2-40B4-BE49-F238E27FC236}">
-                <a16:creationId xmlns:a16="http://schemas.microsoft.com/office/drawing/2014/main" id="{818A7108-6D71-4943-85B1-60066ACA9BD0}"/>
+                <a16:creationId xmlns:a16="http://schemas.microsoft.com/office/drawing/2014/main" id="{671A3043-92A4-6FF5-3A64-210CB3186084}"/>
               </a:ext>
             </a:extLst>
           </p:cNvPr>
@@ -2958,7 +2958,7 @@
           <p:cNvPr id="6" name="灯片编号占位符 5">
             <a:extLst>
               <a:ext uri="{FF2B5EF4-FFF2-40B4-BE49-F238E27FC236}">
-                <a16:creationId xmlns:a16="http://schemas.microsoft.com/office/drawing/2014/main" id="{C5933E48-5EF7-E2E5-0D34-DE7F911DCFA5}"/>
+                <a16:creationId xmlns:a16="http://schemas.microsoft.com/office/drawing/2014/main" id="{0C8176A6-5E1A-D9FD-5023-D37B96410254}"/>
               </a:ext>
             </a:extLst>
           </p:cNvPr>
@@ -2992,7 +2992,7 @@
             </a:lvl1pPr>
           </a:lstStyle>
           <a:p>
-            <a:fld id="{89F26B0D-9A58-4F4B-BDCE-4C61BB5A27A6}" type="slidenum">
+            <a:fld id="{7D3ADFA8-FCA9-41BE-8348-75BEA47D9EAE}" type="slidenum">
               <a:rPr lang="zh-CN" altLang="en-US" smtClean="0"/>
               <a:t>‹#›</a:t>
             </a:fld>
@@ -3003,7 +3003,7 @@
     </p:spTree>
     <p:extLst>
       <p:ext uri="{BB962C8B-B14F-4D97-AF65-F5344CB8AC3E}">
-        <p14:creationId xmlns:p14="http://schemas.microsoft.com/office/powerpoint/2010/main" val="1328434580"/>
+        <p14:creationId xmlns:p14="http://schemas.microsoft.com/office/powerpoint/2010/main" val="462597638"/>
       </p:ext>
     </p:extLst>
   </p:cSld>
@@ -3323,7 +3323,7 @@
       </p:grpSpPr>
       <p:pic>
         <p:nvPicPr>
-          <p:cNvPr id="1212418" name="Picture 2" descr="1183"/>
+          <p:cNvPr id="1213442" name="Picture 2" descr="1184"/>
           <p:cNvPicPr>
             <a:picLocks noChangeAspect="1" noChangeArrowheads="1"/>
           </p:cNvPicPr>
@@ -3344,8 +3344,8 @@
         </p:blipFill>
         <p:spPr bwMode="auto">
           <a:xfrm>
-            <a:off x="1524000" y="0"/>
-            <a:ext cx="9144000" cy="6859588"/>
+            <a:off x="1543050" y="14288"/>
+            <a:ext cx="9124950" cy="6843712"/>
           </a:xfrm>
           <a:prstGeom prst="rect">
             <a:avLst/>
@@ -3377,7 +3377,7 @@
       </p:pic>
       <p:pic>
         <p:nvPicPr>
-          <p:cNvPr id="1213443" name="Picture 3" descr="1183-2"/>
+          <p:cNvPr id="1214467" name="Picture 3" descr="1184-2"/>
           <p:cNvPicPr>
             <a:picLocks noChangeAspect="1" noChangeArrowheads="1"/>
           </p:cNvPicPr>
@@ -3478,7 +3478,7 @@
                                           </p:stCondLst>
                                         </p:cTn>
                                         <p:tgtEl>
-                                          <p:spTgt spid="1213443"/>
+                                          <p:spTgt spid="1214467"/>
                                         </p:tgtEl>
                                         <p:attrNameLst>
                                           <p:attrName>style.visibility</p:attrName>
@@ -3492,7 +3492,7 @@
                                       <p:cBhvr>
                                         <p:cTn id="7" dur="500"/>
                                         <p:tgtEl>
-                                          <p:spTgt spid="1213443"/>
+                                          <p:spTgt spid="1214467"/>
                                         </p:tgtEl>
                                       </p:cBhvr>
                                     </p:animEffect>
